--- a/Images/thumbnail.pptx
+++ b/Images/thumbnail.pptx
@@ -3396,7 +3396,7 @@
         </p:nvPicPr>
         <p:blipFill>
           <a:blip r:embed="rId2"/>
-          <a:srcRect l="35313" t="82645" r="33455" b="1207"/>
+          <a:srcRect l="35454" t="46626" r="33314" b="37226"/>
           <a:stretch>
             <a:fillRect/>
           </a:stretch>
